--- a/course_material/slides/022_mult_inh_abc.pptx
+++ b/course_material/slides/022_mult_inh_abc.pptx
@@ -7,18 +7,22 @@
   <p:sldIdLst>
     <p:sldId id="264" r:id="rId2"/>
     <p:sldId id="256" r:id="rId3"/>
-    <p:sldId id="267" r:id="rId4"/>
-    <p:sldId id="262" r:id="rId5"/>
-    <p:sldId id="257" r:id="rId6"/>
-    <p:sldId id="268" r:id="rId7"/>
-    <p:sldId id="260" r:id="rId8"/>
-    <p:sldId id="263" r:id="rId9"/>
-    <p:sldId id="259" r:id="rId10"/>
-    <p:sldId id="258" r:id="rId11"/>
-    <p:sldId id="265" r:id="rId12"/>
-    <p:sldId id="266" r:id="rId13"/>
-    <p:sldId id="269" r:id="rId14"/>
-    <p:sldId id="261" r:id="rId15"/>
+    <p:sldId id="270" r:id="rId4"/>
+    <p:sldId id="272" r:id="rId5"/>
+    <p:sldId id="271" r:id="rId6"/>
+    <p:sldId id="273" r:id="rId7"/>
+    <p:sldId id="267" r:id="rId8"/>
+    <p:sldId id="262" r:id="rId9"/>
+    <p:sldId id="257" r:id="rId10"/>
+    <p:sldId id="268" r:id="rId11"/>
+    <p:sldId id="260" r:id="rId12"/>
+    <p:sldId id="263" r:id="rId13"/>
+    <p:sldId id="259" r:id="rId14"/>
+    <p:sldId id="258" r:id="rId15"/>
+    <p:sldId id="265" r:id="rId16"/>
+    <p:sldId id="266" r:id="rId17"/>
+    <p:sldId id="269" r:id="rId18"/>
+    <p:sldId id="261" r:id="rId19"/>
   </p:sldIdLst>
   <p:sldSz cx="12192000" cy="6858000"/>
   <p:notesSz cx="6858000" cy="9144000"/>
@@ -3654,7 +3658,10 @@
           <a:bodyPr/>
           <a:lstStyle/>
           <a:p>
-            <a:endParaRPr lang="en-US"/>
+            <a:r>
+              <a:rPr lang="en-US" dirty="0"/>
+              <a:t>My Fantasy Team is a Travesty Update</a:t>
+            </a:r>
           </a:p>
         </p:txBody>
       </p:sp>
@@ -3683,6 +3690,19 @@
         <p:txBody>
           <a:bodyPr/>
           <a:lstStyle/>
+          <a:p>
+            <a:r>
+              <a:rPr lang="en-US" dirty="0"/>
+              <a:t>Assignment #1:</a:t>
+            </a:r>
+          </a:p>
+          <a:p>
+            <a:pPr lvl="1"/>
+            <a:r>
+              <a:rPr lang="en-US" dirty="0"/>
+              <a:t>Look at a few of the details. </a:t>
+            </a:r>
+          </a:p>
           <a:p>
             <a:r>
               <a:rPr lang="en-US" dirty="0"/>
@@ -3770,6 +3790,673 @@
           <p:cNvPr id="2" name="Title 1">
             <a:extLst>
               <a:ext uri="{FF2B5EF4-FFF2-40B4-BE49-F238E27FC236}">
+                <a16:creationId xmlns:a16="http://schemas.microsoft.com/office/drawing/2014/main" id="{BC9A5AF5-BC54-C786-8D07-79CBF79C6F00}"/>
+              </a:ext>
+            </a:extLst>
+          </p:cNvPr>
+          <p:cNvSpPr>
+            <a:spLocks noGrp="1"/>
+          </p:cNvSpPr>
+          <p:nvPr>
+            <p:ph type="title"/>
+          </p:nvPr>
+        </p:nvSpPr>
+        <p:spPr/>
+        <p:txBody>
+          <a:bodyPr/>
+          <a:lstStyle/>
+          <a:p>
+            <a:r>
+              <a:rPr lang="en-US" dirty="0"/>
+              <a:t>ABC Implementation</a:t>
+            </a:r>
+          </a:p>
+        </p:txBody>
+      </p:sp>
+      <p:sp>
+        <p:nvSpPr>
+          <p:cNvPr id="3" name="Content Placeholder 2">
+            <a:extLst>
+              <a:ext uri="{FF2B5EF4-FFF2-40B4-BE49-F238E27FC236}">
+                <a16:creationId xmlns:a16="http://schemas.microsoft.com/office/drawing/2014/main" id="{500089E7-61D9-1075-2DAB-B1AEEB790648}"/>
+              </a:ext>
+            </a:extLst>
+          </p:cNvPr>
+          <p:cNvSpPr>
+            <a:spLocks noGrp="1"/>
+          </p:cNvSpPr>
+          <p:nvPr>
+            <p:ph idx="1"/>
+          </p:nvPr>
+        </p:nvSpPr>
+        <p:spPr>
+          <a:xfrm>
+            <a:off x="1451579" y="1853754"/>
+            <a:ext cx="9603275" cy="4199727"/>
+          </a:xfrm>
+        </p:spPr>
+        <p:txBody>
+          <a:bodyPr/>
+          <a:lstStyle/>
+          <a:p>
+            <a:r>
+              <a:rPr lang="en-US" dirty="0"/>
+              <a:t>Any object that provides __</a:t>
+            </a:r>
+            <a:r>
+              <a:rPr lang="en-US" dirty="0" err="1"/>
+              <a:t>iter</a:t>
+            </a:r>
+            <a:r>
+              <a:rPr lang="en-US" dirty="0"/>
+              <a:t>__ and __next__ is an </a:t>
+            </a:r>
+            <a:r>
+              <a:rPr lang="en-US" dirty="0" err="1"/>
+              <a:t>iterable</a:t>
+            </a:r>
+            <a:r>
+              <a:rPr lang="en-US" dirty="0"/>
+              <a:t>. </a:t>
+            </a:r>
+          </a:p>
+          <a:p>
+            <a:pPr lvl="1"/>
+            <a:r>
+              <a:rPr lang="en-US" dirty="0"/>
+              <a:t>Officially, “An object capable of returning its members one at a time.”</a:t>
+            </a:r>
+          </a:p>
+          <a:p>
+            <a:r>
+              <a:rPr lang="en-US" dirty="0"/>
+              <a:t>So, an </a:t>
+            </a:r>
+            <a:r>
+              <a:rPr lang="en-US" dirty="0" err="1"/>
+              <a:t>iterable</a:t>
+            </a:r>
+            <a:r>
+              <a:rPr lang="en-US" dirty="0"/>
+              <a:t> isn’t a specific thing, it is a set of requirements that a thing meets. </a:t>
+            </a:r>
+          </a:p>
+          <a:p>
+            <a:pPr lvl="1"/>
+            <a:r>
+              <a:rPr lang="en-US" dirty="0"/>
+              <a:t>Anything that complies with the requirements is effectively an </a:t>
+            </a:r>
+            <a:r>
+              <a:rPr lang="en-US" dirty="0" err="1"/>
+              <a:t>iterable</a:t>
+            </a:r>
+            <a:r>
+              <a:rPr lang="en-US" dirty="0"/>
+              <a:t>. </a:t>
+            </a:r>
+          </a:p>
+          <a:p>
+            <a:pPr lvl="1"/>
+            <a:r>
+              <a:rPr lang="en-US" dirty="0"/>
+              <a:t>Objects can meet the requirements of multiple types of functionality at one time. </a:t>
+            </a:r>
+          </a:p>
+          <a:p>
+            <a:r>
+              <a:rPr lang="en-US" dirty="0"/>
+              <a:t>The ABCs are basically certificates to signify that an object is qualified to be something. </a:t>
+            </a:r>
+          </a:p>
+          <a:p>
+            <a:pPr lvl="1"/>
+            <a:r>
+              <a:rPr lang="en-US" dirty="0"/>
+              <a:t>E.g. my dad’s a welder, he tests to signify that he is a “pressure welder”, “titanium welder”, “contained space welder”, “</a:t>
+            </a:r>
+            <a:r>
+              <a:rPr lang="en-US" dirty="0" err="1"/>
+              <a:t>alumminum</a:t>
+            </a:r>
+            <a:r>
+              <a:rPr lang="en-US" dirty="0"/>
+              <a:t> welder”, “b pressure welder”, </a:t>
+            </a:r>
+            <a:r>
+              <a:rPr lang="en-US" dirty="0" err="1"/>
+              <a:t>etc</a:t>
+            </a:r>
+            <a:r>
+              <a:rPr lang="en-US" dirty="0"/>
+              <a:t>…</a:t>
+            </a:r>
+          </a:p>
+          <a:p>
+            <a:pPr lvl="1"/>
+            <a:r>
+              <a:rPr lang="en-US" dirty="0"/>
+              <a:t>He’s not different, but he’s now “usable” in any of those roles as he meets the requirements. </a:t>
+            </a:r>
+          </a:p>
+        </p:txBody>
+      </p:sp>
+    </p:spTree>
+    <p:extLst>
+      <p:ext uri="{BB962C8B-B14F-4D97-AF65-F5344CB8AC3E}">
+        <p14:creationId xmlns:p14="http://schemas.microsoft.com/office/powerpoint/2010/main" val="1633350690"/>
+      </p:ext>
+    </p:extLst>
+  </p:cSld>
+  <p:clrMapOvr>
+    <a:masterClrMapping/>
+  </p:clrMapOvr>
+</p:sld>
+</file>
+
+<file path=ppt/slides/slide11.xml><?xml version="1.0" encoding="utf-8"?>
+<p:sld xmlns:a="http://schemas.openxmlformats.org/drawingml/2006/main" xmlns:r="http://schemas.openxmlformats.org/officeDocument/2006/relationships" xmlns:p="http://schemas.openxmlformats.org/presentationml/2006/main">
+  <p:cSld>
+    <p:spTree>
+      <p:nvGrpSpPr>
+        <p:cNvPr id="1" name=""/>
+        <p:cNvGrpSpPr/>
+        <p:nvPr/>
+      </p:nvGrpSpPr>
+      <p:grpSpPr>
+        <a:xfrm>
+          <a:off x="0" y="0"/>
+          <a:ext cx="0" cy="0"/>
+          <a:chOff x="0" y="0"/>
+          <a:chExt cx="0" cy="0"/>
+        </a:xfrm>
+      </p:grpSpPr>
+      <p:sp>
+        <p:nvSpPr>
+          <p:cNvPr id="2" name="Title 1">
+            <a:extLst>
+              <a:ext uri="{FF2B5EF4-FFF2-40B4-BE49-F238E27FC236}">
+                <a16:creationId xmlns:a16="http://schemas.microsoft.com/office/drawing/2014/main" id="{9C1B9678-C841-1B99-F5A0-FDA66F6C4446}"/>
+              </a:ext>
+            </a:extLst>
+          </p:cNvPr>
+          <p:cNvSpPr>
+            <a:spLocks noGrp="1"/>
+          </p:cNvSpPr>
+          <p:nvPr>
+            <p:ph type="title"/>
+          </p:nvPr>
+        </p:nvSpPr>
+        <p:spPr/>
+        <p:txBody>
+          <a:bodyPr/>
+          <a:lstStyle/>
+          <a:p>
+            <a:r>
+              <a:rPr lang="en-US" dirty="0"/>
+              <a:t>Collection Class ABC</a:t>
+            </a:r>
+          </a:p>
+        </p:txBody>
+      </p:sp>
+      <p:sp>
+        <p:nvSpPr>
+          <p:cNvPr id="3" name="Content Placeholder 2">
+            <a:extLst>
+              <a:ext uri="{FF2B5EF4-FFF2-40B4-BE49-F238E27FC236}">
+                <a16:creationId xmlns:a16="http://schemas.microsoft.com/office/drawing/2014/main" id="{0A7F7547-B5AD-80DB-27E0-99B8BB172468}"/>
+              </a:ext>
+            </a:extLst>
+          </p:cNvPr>
+          <p:cNvSpPr>
+            <a:spLocks noGrp="1"/>
+          </p:cNvSpPr>
+          <p:nvPr>
+            <p:ph idx="1"/>
+          </p:nvPr>
+        </p:nvSpPr>
+        <p:spPr>
+          <a:xfrm>
+            <a:off x="1302026" y="1853754"/>
+            <a:ext cx="10058399" cy="4199727"/>
+          </a:xfrm>
+        </p:spPr>
+        <p:txBody>
+          <a:bodyPr/>
+          <a:lstStyle/>
+          <a:p>
+            <a:r>
+              <a:rPr lang="en-US" dirty="0"/>
+              <a:t>Many ABCs exist in the collections, which are how data structures are implemented. </a:t>
+            </a:r>
+          </a:p>
+          <a:p>
+            <a:pPr lvl="1"/>
+            <a:r>
+              <a:rPr lang="en-US" dirty="0"/>
+              <a:t>There are ones for Sequences (lists), Mappings (</a:t>
+            </a:r>
+            <a:r>
+              <a:rPr lang="en-US" dirty="0" err="1"/>
+              <a:t>dicts</a:t>
+            </a:r>
+            <a:r>
+              <a:rPr lang="en-US" dirty="0"/>
+              <a:t>), </a:t>
+            </a:r>
+            <a:r>
+              <a:rPr lang="en-US" dirty="0" err="1"/>
+              <a:t>etc</a:t>
+            </a:r>
+            <a:r>
+              <a:rPr lang="en-US" dirty="0"/>
+              <a:t>…</a:t>
+            </a:r>
+          </a:p>
+          <a:p>
+            <a:r>
+              <a:rPr lang="en-US" dirty="0"/>
+              <a:t>We can extend from some ABC base to make a new data structure. </a:t>
+            </a:r>
+          </a:p>
+          <a:p>
+            <a:pPr lvl="1"/>
+            <a:r>
+              <a:rPr lang="en-US" dirty="0"/>
+              <a:t>In that data structure there are some things we must implement for it to work. </a:t>
+            </a:r>
+          </a:p>
+          <a:p>
+            <a:pPr lvl="1"/>
+            <a:r>
+              <a:rPr lang="en-US" dirty="0"/>
+              <a:t>There are other things we get for free from the inheritance. </a:t>
+            </a:r>
+          </a:p>
+          <a:p>
+            <a:pPr lvl="1"/>
+            <a:r>
+              <a:rPr lang="en-US" dirty="0"/>
+              <a:t>This data structure will be usable wherever the other structures are. </a:t>
+            </a:r>
+          </a:p>
+          <a:p>
+            <a:r>
+              <a:rPr lang="en-US" dirty="0"/>
+              <a:t>If making a new data structure, this is normally better than extending the built-in types. </a:t>
+            </a:r>
+          </a:p>
+          <a:p>
+            <a:pPr lvl="1"/>
+            <a:r>
+              <a:rPr lang="en-US" dirty="0"/>
+              <a:t>There are things done to the built-in one for performance that make them “weird” in some cases. </a:t>
+            </a:r>
+          </a:p>
+          <a:p>
+            <a:r>
+              <a:rPr lang="en-US" dirty="0"/>
+              <a:t>We can build our object on top of one of these, and use most of the premade functionality. </a:t>
+            </a:r>
+          </a:p>
+        </p:txBody>
+      </p:sp>
+    </p:spTree>
+    <p:extLst>
+      <p:ext uri="{BB962C8B-B14F-4D97-AF65-F5344CB8AC3E}">
+        <p14:creationId xmlns:p14="http://schemas.microsoft.com/office/powerpoint/2010/main" val="934258392"/>
+      </p:ext>
+    </p:extLst>
+  </p:cSld>
+  <p:clrMapOvr>
+    <a:masterClrMapping/>
+  </p:clrMapOvr>
+</p:sld>
+</file>
+
+<file path=ppt/slides/slide12.xml><?xml version="1.0" encoding="utf-8"?>
+<p:sld xmlns:a="http://schemas.openxmlformats.org/drawingml/2006/main" xmlns:r="http://schemas.openxmlformats.org/officeDocument/2006/relationships" xmlns:p="http://schemas.openxmlformats.org/presentationml/2006/main">
+  <p:cSld>
+    <p:spTree>
+      <p:nvGrpSpPr>
+        <p:cNvPr id="1" name=""/>
+        <p:cNvGrpSpPr/>
+        <p:nvPr/>
+      </p:nvGrpSpPr>
+      <p:grpSpPr>
+        <a:xfrm>
+          <a:off x="0" y="0"/>
+          <a:ext cx="0" cy="0"/>
+          <a:chOff x="0" y="0"/>
+          <a:chExt cx="0" cy="0"/>
+        </a:xfrm>
+      </p:grpSpPr>
+      <p:sp>
+        <p:nvSpPr>
+          <p:cNvPr id="2" name="Title 1">
+            <a:extLst>
+              <a:ext uri="{FF2B5EF4-FFF2-40B4-BE49-F238E27FC236}">
+                <a16:creationId xmlns:a16="http://schemas.microsoft.com/office/drawing/2014/main" id="{4ED708B7-A852-FFDF-32F6-D310005D4769}"/>
+              </a:ext>
+            </a:extLst>
+          </p:cNvPr>
+          <p:cNvSpPr>
+            <a:spLocks noGrp="1"/>
+          </p:cNvSpPr>
+          <p:nvPr>
+            <p:ph type="title"/>
+          </p:nvPr>
+        </p:nvSpPr>
+        <p:spPr/>
+        <p:txBody>
+          <a:bodyPr/>
+          <a:lstStyle/>
+          <a:p>
+            <a:r>
+              <a:rPr lang="en-US" dirty="0"/>
+              <a:t>Implementing ABCs</a:t>
+            </a:r>
+          </a:p>
+        </p:txBody>
+      </p:sp>
+      <p:sp>
+        <p:nvSpPr>
+          <p:cNvPr id="3" name="Content Placeholder 2">
+            <a:extLst>
+              <a:ext uri="{FF2B5EF4-FFF2-40B4-BE49-F238E27FC236}">
+                <a16:creationId xmlns:a16="http://schemas.microsoft.com/office/drawing/2014/main" id="{D1E8CBBF-DE38-443C-0394-D9340508A985}"/>
+              </a:ext>
+            </a:extLst>
+          </p:cNvPr>
+          <p:cNvSpPr>
+            <a:spLocks noGrp="1"/>
+          </p:cNvSpPr>
+          <p:nvPr>
+            <p:ph idx="1"/>
+          </p:nvPr>
+        </p:nvSpPr>
+        <p:spPr>
+          <a:xfrm>
+            <a:off x="139148" y="2015732"/>
+            <a:ext cx="5811996" cy="4037749"/>
+          </a:xfrm>
+        </p:spPr>
+        <p:txBody>
+          <a:bodyPr/>
+          <a:lstStyle/>
+          <a:p>
+            <a:r>
+              <a:rPr lang="en-US" dirty="0"/>
+              <a:t>To use an ABC we need to implement all the abstract methods listed. </a:t>
+            </a:r>
+          </a:p>
+          <a:p>
+            <a:pPr lvl="1"/>
+            <a:r>
+              <a:rPr lang="en-US" dirty="0"/>
+              <a:t>These are ones that are empty in the parent. </a:t>
+            </a:r>
+          </a:p>
+          <a:p>
+            <a:pPr lvl="1"/>
+            <a:r>
+              <a:rPr lang="en-US" dirty="0"/>
+              <a:t>If we think about it, this is the stuff that is unique that we need to make it work. </a:t>
+            </a:r>
+          </a:p>
+          <a:p>
+            <a:r>
+              <a:rPr lang="en-US" dirty="0"/>
+              <a:t>The </a:t>
+            </a:r>
+            <a:r>
+              <a:rPr lang="en-US" dirty="0" err="1"/>
+              <a:t>mixin</a:t>
+            </a:r>
+            <a:r>
+              <a:rPr lang="en-US" dirty="0"/>
+              <a:t> column is what we “get” for free. </a:t>
+            </a:r>
+          </a:p>
+          <a:p>
+            <a:pPr lvl="1"/>
+            <a:r>
+              <a:rPr lang="en-US" dirty="0" err="1"/>
+              <a:t>Mixins</a:t>
+            </a:r>
+            <a:r>
+              <a:rPr lang="en-US" dirty="0"/>
+              <a:t> are something we can ignore the details of. </a:t>
+            </a:r>
+          </a:p>
+          <a:p>
+            <a:pPr lvl="1"/>
+            <a:r>
+              <a:rPr lang="en-US" dirty="0"/>
+              <a:t>We are effectively also inheriting default implementations of all this stuff. </a:t>
+            </a:r>
+          </a:p>
+          <a:p>
+            <a:pPr lvl="1"/>
+            <a:r>
+              <a:rPr lang="en-US" dirty="0"/>
+              <a:t>We can use it or override them as needed. </a:t>
+            </a:r>
+          </a:p>
+        </p:txBody>
+      </p:sp>
+      <p:pic>
+        <p:nvPicPr>
+          <p:cNvPr id="4" name="Picture 3">
+            <a:extLst>
+              <a:ext uri="{FF2B5EF4-FFF2-40B4-BE49-F238E27FC236}">
+                <a16:creationId xmlns:a16="http://schemas.microsoft.com/office/drawing/2014/main" id="{65006BFA-57CD-1F24-1590-764F08FB75E1}"/>
+              </a:ext>
+            </a:extLst>
+          </p:cNvPr>
+          <p:cNvPicPr>
+            <a:picLocks noChangeAspect="1"/>
+          </p:cNvPicPr>
+          <p:nvPr/>
+        </p:nvPicPr>
+        <p:blipFill>
+          <a:blip r:embed="rId2"/>
+          <a:stretch>
+            <a:fillRect/>
+          </a:stretch>
+        </p:blipFill>
+        <p:spPr>
+          <a:xfrm>
+            <a:off x="5951143" y="0"/>
+            <a:ext cx="6240857" cy="6858000"/>
+          </a:xfrm>
+          <a:prstGeom prst="rect">
+            <a:avLst/>
+          </a:prstGeom>
+        </p:spPr>
+      </p:pic>
+    </p:spTree>
+    <p:extLst>
+      <p:ext uri="{BB962C8B-B14F-4D97-AF65-F5344CB8AC3E}">
+        <p14:creationId xmlns:p14="http://schemas.microsoft.com/office/powerpoint/2010/main" val="2869243400"/>
+      </p:ext>
+    </p:extLst>
+  </p:cSld>
+  <p:clrMapOvr>
+    <a:masterClrMapping/>
+  </p:clrMapOvr>
+</p:sld>
+</file>
+
+<file path=ppt/slides/slide13.xml><?xml version="1.0" encoding="utf-8"?>
+<p:sld xmlns:a="http://schemas.openxmlformats.org/drawingml/2006/main" xmlns:r="http://schemas.openxmlformats.org/officeDocument/2006/relationships" xmlns:p="http://schemas.openxmlformats.org/presentationml/2006/main">
+  <p:cSld>
+    <p:spTree>
+      <p:nvGrpSpPr>
+        <p:cNvPr id="1" name=""/>
+        <p:cNvGrpSpPr/>
+        <p:nvPr/>
+      </p:nvGrpSpPr>
+      <p:grpSpPr>
+        <a:xfrm>
+          <a:off x="0" y="0"/>
+          <a:ext cx="0" cy="0"/>
+          <a:chOff x="0" y="0"/>
+          <a:chExt cx="0" cy="0"/>
+        </a:xfrm>
+      </p:grpSpPr>
+      <p:sp>
+        <p:nvSpPr>
+          <p:cNvPr id="2" name="Title 1">
+            <a:extLst>
+              <a:ext uri="{FF2B5EF4-FFF2-40B4-BE49-F238E27FC236}">
+                <a16:creationId xmlns:a16="http://schemas.microsoft.com/office/drawing/2014/main" id="{D5526080-0F90-6B3B-6B88-72A3404EC993}"/>
+              </a:ext>
+            </a:extLst>
+          </p:cNvPr>
+          <p:cNvSpPr>
+            <a:spLocks noGrp="1"/>
+          </p:cNvSpPr>
+          <p:nvPr>
+            <p:ph type="title"/>
+          </p:nvPr>
+        </p:nvSpPr>
+        <p:spPr/>
+        <p:txBody>
+          <a:bodyPr/>
+          <a:lstStyle/>
+          <a:p>
+            <a:r>
+              <a:rPr lang="en-US" dirty="0"/>
+              <a:t>Decorators</a:t>
+            </a:r>
+          </a:p>
+        </p:txBody>
+      </p:sp>
+      <p:sp>
+        <p:nvSpPr>
+          <p:cNvPr id="3" name="Content Placeholder 2">
+            <a:extLst>
+              <a:ext uri="{FF2B5EF4-FFF2-40B4-BE49-F238E27FC236}">
+                <a16:creationId xmlns:a16="http://schemas.microsoft.com/office/drawing/2014/main" id="{859E8646-D6BB-4FE2-A573-C299ACE7A8A6}"/>
+              </a:ext>
+            </a:extLst>
+          </p:cNvPr>
+          <p:cNvSpPr>
+            <a:spLocks noGrp="1"/>
+          </p:cNvSpPr>
+          <p:nvPr>
+            <p:ph idx="1"/>
+          </p:nvPr>
+        </p:nvSpPr>
+        <p:spPr>
+          <a:xfrm>
+            <a:off x="1451579" y="1853754"/>
+            <a:ext cx="9603275" cy="4199727"/>
+          </a:xfrm>
+        </p:spPr>
+        <p:txBody>
+          <a:bodyPr/>
+          <a:lstStyle/>
+          <a:p>
+            <a:r>
+              <a:rPr lang="en-US" dirty="0" err="1"/>
+              <a:t>Absctract</a:t>
+            </a:r>
+            <a:r>
+              <a:rPr lang="en-US" dirty="0"/>
+              <a:t> methods use Decorators, a label that adds functionality to items. </a:t>
+            </a:r>
+          </a:p>
+          <a:p>
+            <a:pPr lvl="1"/>
+            <a:r>
+              <a:rPr lang="en-US" dirty="0"/>
+              <a:t>The static method labels that we’ve used before are a decorator. </a:t>
+            </a:r>
+          </a:p>
+          <a:p>
+            <a:pPr lvl="1"/>
+            <a:r>
+              <a:rPr lang="en-US" dirty="0"/>
+              <a:t>The decorator is like a configuration switch, that tells Python to do something different. </a:t>
+            </a:r>
+          </a:p>
+          <a:p>
+            <a:r>
+              <a:rPr lang="en-US" dirty="0"/>
+              <a:t>In parent classes, abstract methods have a @</a:t>
+            </a:r>
+            <a:r>
+              <a:rPr lang="en-US" dirty="0" err="1"/>
+              <a:t>abstractmethod</a:t>
+            </a:r>
+            <a:r>
+              <a:rPr lang="en-US" dirty="0"/>
+              <a:t> decorator. </a:t>
+            </a:r>
+          </a:p>
+          <a:p>
+            <a:pPr lvl="1"/>
+            <a:r>
+              <a:rPr lang="en-US" dirty="0"/>
+              <a:t>This indicates that this MUST be implemented to allow a class to be instantiated. </a:t>
+            </a:r>
+          </a:p>
+          <a:p>
+            <a:r>
+              <a:rPr lang="en-US" dirty="0"/>
+              <a:t>In general, decorators are fairly commonly seen in more complex code. </a:t>
+            </a:r>
+          </a:p>
+          <a:p>
+            <a:pPr lvl="1"/>
+            <a:r>
+              <a:rPr lang="en-US" dirty="0"/>
+              <a:t>If we’re comfortable with what the limited subset that we see do, that’s fine. </a:t>
+            </a:r>
+          </a:p>
+          <a:p>
+            <a:pPr lvl="1"/>
+            <a:endParaRPr lang="en-US" dirty="0"/>
+          </a:p>
+        </p:txBody>
+      </p:sp>
+    </p:spTree>
+    <p:extLst>
+      <p:ext uri="{BB962C8B-B14F-4D97-AF65-F5344CB8AC3E}">
+        <p14:creationId xmlns:p14="http://schemas.microsoft.com/office/powerpoint/2010/main" val="1726607488"/>
+      </p:ext>
+    </p:extLst>
+  </p:cSld>
+  <p:clrMapOvr>
+    <a:masterClrMapping/>
+  </p:clrMapOvr>
+</p:sld>
+</file>
+
+<file path=ppt/slides/slide14.xml><?xml version="1.0" encoding="utf-8"?>
+<p:sld xmlns:a="http://schemas.openxmlformats.org/drawingml/2006/main" xmlns:r="http://schemas.openxmlformats.org/officeDocument/2006/relationships" xmlns:p="http://schemas.openxmlformats.org/presentationml/2006/main">
+  <p:cSld>
+    <p:spTree>
+      <p:nvGrpSpPr>
+        <p:cNvPr id="1" name=""/>
+        <p:cNvGrpSpPr/>
+        <p:nvPr/>
+      </p:nvGrpSpPr>
+      <p:grpSpPr>
+        <a:xfrm>
+          <a:off x="0" y="0"/>
+          <a:ext cx="0" cy="0"/>
+          <a:chOff x="0" y="0"/>
+          <a:chExt cx="0" cy="0"/>
+        </a:xfrm>
+      </p:grpSpPr>
+      <p:sp>
+        <p:nvSpPr>
+          <p:cNvPr id="2" name="Title 1">
+            <a:extLst>
+              <a:ext uri="{FF2B5EF4-FFF2-40B4-BE49-F238E27FC236}">
                 <a16:creationId xmlns:a16="http://schemas.microsoft.com/office/drawing/2014/main" id="{055EFBF5-0D05-6375-8CF3-530DB62C5E41}"/>
               </a:ext>
             </a:extLst>
@@ -3878,7 +4565,7 @@
 </p:sld>
 </file>
 
-<file path=ppt/slides/slide11.xml><?xml version="1.0" encoding="utf-8"?>
+<file path=ppt/slides/slide15.xml><?xml version="1.0" encoding="utf-8"?>
 <p:sld xmlns:a="http://schemas.openxmlformats.org/drawingml/2006/main" xmlns:r="http://schemas.openxmlformats.org/officeDocument/2006/relationships" xmlns:p="http://schemas.openxmlformats.org/presentationml/2006/main">
   <p:cSld>
     <p:spTree>
@@ -4083,7 +4770,7 @@
 </p:sld>
 </file>
 
-<file path=ppt/slides/slide12.xml><?xml version="1.0" encoding="utf-8"?>
+<file path=ppt/slides/slide16.xml><?xml version="1.0" encoding="utf-8"?>
 <p:sld xmlns:a="http://schemas.openxmlformats.org/drawingml/2006/main" xmlns:r="http://schemas.openxmlformats.org/officeDocument/2006/relationships" xmlns:p="http://schemas.openxmlformats.org/presentationml/2006/main">
   <p:cSld>
     <p:spTree>
@@ -4230,7 +4917,7 @@
 </p:sld>
 </file>
 
-<file path=ppt/slides/slide13.xml><?xml version="1.0" encoding="utf-8"?>
+<file path=ppt/slides/slide17.xml><?xml version="1.0" encoding="utf-8"?>
 <p:sld xmlns:a="http://schemas.openxmlformats.org/drawingml/2006/main" xmlns:r="http://schemas.openxmlformats.org/officeDocument/2006/relationships" xmlns:p="http://schemas.openxmlformats.org/presentationml/2006/main">
   <p:cSld>
     <p:spTree>
@@ -4406,7 +5093,7 @@
 </p:sld>
 </file>
 
-<file path=ppt/slides/slide14.xml><?xml version="1.0" encoding="utf-8"?>
+<file path=ppt/slides/slide18.xml><?xml version="1.0" encoding="utf-8"?>
 <p:sld xmlns:a="http://schemas.openxmlformats.org/drawingml/2006/main" xmlns:r="http://schemas.openxmlformats.org/officeDocument/2006/relationships" xmlns:p="http://schemas.openxmlformats.org/presentationml/2006/main">
   <p:cSld>
     <p:spTree>
@@ -4533,13 +5220,8 @@
             <a:pPr lvl="1"/>
             <a:r>
               <a:rPr lang="en-US" dirty="0"/>
-              <a:t>If you do a lot of coding you’ll probably see it, also in some examples that are more complex online</a:t>
-            </a:r>
-            <a:r>
-              <a:rPr lang="en-US"/>
-              <a:t>.  </a:t>
-            </a:r>
-            <a:endParaRPr lang="en-US" dirty="0"/>
+              <a:t>If you do a lot of coding you’ll probably see it, also in some examples that are more complex online.  </a:t>
+            </a:r>
           </a:p>
         </p:txBody>
       </p:sp>
@@ -4661,6 +5343,626 @@
           <p:cNvPr id="2" name="Title 1">
             <a:extLst>
               <a:ext uri="{FF2B5EF4-FFF2-40B4-BE49-F238E27FC236}">
+                <a16:creationId xmlns:a16="http://schemas.microsoft.com/office/drawing/2014/main" id="{3BA26C36-B6DB-3925-9306-A06DD04A7AA2}"/>
+              </a:ext>
+            </a:extLst>
+          </p:cNvPr>
+          <p:cNvSpPr>
+            <a:spLocks noGrp="1"/>
+          </p:cNvSpPr>
+          <p:nvPr>
+            <p:ph type="title"/>
+          </p:nvPr>
+        </p:nvSpPr>
+        <p:spPr/>
+        <p:txBody>
+          <a:bodyPr/>
+          <a:lstStyle/>
+          <a:p>
+            <a:r>
+              <a:rPr lang="en-US" dirty="0"/>
+              <a:t>Assignment 1 key Points</a:t>
+            </a:r>
+          </a:p>
+        </p:txBody>
+      </p:sp>
+      <p:sp>
+        <p:nvSpPr>
+          <p:cNvPr id="3" name="Content Placeholder 2">
+            <a:extLst>
+              <a:ext uri="{FF2B5EF4-FFF2-40B4-BE49-F238E27FC236}">
+                <a16:creationId xmlns:a16="http://schemas.microsoft.com/office/drawing/2014/main" id="{DAEB3D5A-CCE5-3F94-91BA-78A8B67BBAD5}"/>
+              </a:ext>
+            </a:extLst>
+          </p:cNvPr>
+          <p:cNvSpPr>
+            <a:spLocks noGrp="1"/>
+          </p:cNvSpPr>
+          <p:nvPr>
+            <p:ph idx="1"/>
+          </p:nvPr>
+        </p:nvSpPr>
+        <p:spPr>
+          <a:xfrm>
+            <a:off x="1451579" y="1853754"/>
+            <a:ext cx="9603275" cy="4199727"/>
+          </a:xfrm>
+        </p:spPr>
+        <p:txBody>
+          <a:bodyPr/>
+          <a:lstStyle/>
+          <a:p>
+            <a:r>
+              <a:rPr lang="en-US" dirty="0"/>
+              <a:t>Data processing and cleaning. </a:t>
+            </a:r>
+          </a:p>
+          <a:p>
+            <a:pPr lvl="1"/>
+            <a:r>
+              <a:rPr lang="en-US" dirty="0"/>
+              <a:t>Several problems with messy data, most notably the rupee sign. </a:t>
+            </a:r>
+          </a:p>
+          <a:p>
+            <a:pPr lvl="1"/>
+            <a:r>
+              <a:rPr lang="en-US" dirty="0"/>
+              <a:t>The sign will likely cause a column to be interpreted as a string/object. </a:t>
+            </a:r>
+          </a:p>
+          <a:p>
+            <a:pPr lvl="1"/>
+            <a:r>
+              <a:rPr lang="en-US" dirty="0"/>
+              <a:t>Solution – info to get type, if it is not a number we know it is not processed properly, start cleaning – slice off that mark, pull out numbers, </a:t>
+            </a:r>
+            <a:r>
+              <a:rPr lang="en-US" dirty="0" err="1"/>
+              <a:t>etc</a:t>
+            </a:r>
+            <a:r>
+              <a:rPr lang="en-US" dirty="0"/>
+              <a:t>… Identify issue, then define solution. </a:t>
+            </a:r>
+          </a:p>
+          <a:p>
+            <a:pPr lvl="1"/>
+            <a:r>
+              <a:rPr lang="en-US" dirty="0"/>
+              <a:t>This is something we normally need to consider for each value – like in stats making models. </a:t>
+            </a:r>
+          </a:p>
+          <a:p>
+            <a:r>
+              <a:rPr lang="en-US" dirty="0"/>
+              <a:t>Top rating. </a:t>
+            </a:r>
+          </a:p>
+          <a:p>
+            <a:pPr lvl="1"/>
+            <a:r>
+              <a:rPr lang="en-US" dirty="0"/>
+              <a:t>If the data is saved in a container in the Inventory, we just need to sort. </a:t>
+            </a:r>
+          </a:p>
+          <a:p>
+            <a:pPr lvl="1"/>
+            <a:r>
+              <a:rPr lang="en-US" dirty="0"/>
+              <a:t>If we need to sort, we can define __</a:t>
+            </a:r>
+            <a:r>
+              <a:rPr lang="en-US" dirty="0" err="1"/>
+              <a:t>lt</a:t>
+            </a:r>
+            <a:r>
+              <a:rPr lang="en-US" dirty="0"/>
+              <a:t>__ in the objects (products). </a:t>
+            </a:r>
+          </a:p>
+          <a:p>
+            <a:pPr lvl="1"/>
+            <a:r>
+              <a:rPr lang="en-US" dirty="0"/>
+              <a:t>So, if we can compare products, and we have a collection of them, we can sort. </a:t>
+            </a:r>
+          </a:p>
+          <a:p>
+            <a:pPr lvl="1"/>
+            <a:endParaRPr lang="en-US" dirty="0"/>
+          </a:p>
+        </p:txBody>
+      </p:sp>
+    </p:spTree>
+    <p:extLst>
+      <p:ext uri="{BB962C8B-B14F-4D97-AF65-F5344CB8AC3E}">
+        <p14:creationId xmlns:p14="http://schemas.microsoft.com/office/powerpoint/2010/main" val="3696827880"/>
+      </p:ext>
+    </p:extLst>
+  </p:cSld>
+  <p:clrMapOvr>
+    <a:masterClrMapping/>
+  </p:clrMapOvr>
+</p:sld>
+</file>
+
+<file path=ppt/slides/slide4.xml><?xml version="1.0" encoding="utf-8"?>
+<p:sld xmlns:a="http://schemas.openxmlformats.org/drawingml/2006/main" xmlns:r="http://schemas.openxmlformats.org/officeDocument/2006/relationships" xmlns:p="http://schemas.openxmlformats.org/presentationml/2006/main">
+  <p:cSld>
+    <p:spTree>
+      <p:nvGrpSpPr>
+        <p:cNvPr id="1" name=""/>
+        <p:cNvGrpSpPr/>
+        <p:nvPr/>
+      </p:nvGrpSpPr>
+      <p:grpSpPr>
+        <a:xfrm>
+          <a:off x="0" y="0"/>
+          <a:ext cx="0" cy="0"/>
+          <a:chOff x="0" y="0"/>
+          <a:chExt cx="0" cy="0"/>
+        </a:xfrm>
+      </p:grpSpPr>
+      <p:sp>
+        <p:nvSpPr>
+          <p:cNvPr id="2" name="Title 1">
+            <a:extLst>
+              <a:ext uri="{FF2B5EF4-FFF2-40B4-BE49-F238E27FC236}">
+                <a16:creationId xmlns:a16="http://schemas.microsoft.com/office/drawing/2014/main" id="{9BDE379B-B55E-32F4-6F34-16F0DF130D89}"/>
+              </a:ext>
+            </a:extLst>
+          </p:cNvPr>
+          <p:cNvSpPr>
+            <a:spLocks noGrp="1"/>
+          </p:cNvSpPr>
+          <p:nvPr>
+            <p:ph type="title"/>
+          </p:nvPr>
+        </p:nvSpPr>
+        <p:spPr/>
+        <p:txBody>
+          <a:bodyPr/>
+          <a:lstStyle/>
+          <a:p>
+            <a:r>
+              <a:rPr lang="en-US" dirty="0"/>
+              <a:t>Assignment 1</a:t>
+            </a:r>
+          </a:p>
+        </p:txBody>
+      </p:sp>
+      <p:sp>
+        <p:nvSpPr>
+          <p:cNvPr id="3" name="Content Placeholder 2">
+            <a:extLst>
+              <a:ext uri="{FF2B5EF4-FFF2-40B4-BE49-F238E27FC236}">
+                <a16:creationId xmlns:a16="http://schemas.microsoft.com/office/drawing/2014/main" id="{3BF60FA5-582A-540F-9E9D-30F711166395}"/>
+              </a:ext>
+            </a:extLst>
+          </p:cNvPr>
+          <p:cNvSpPr>
+            <a:spLocks noGrp="1"/>
+          </p:cNvSpPr>
+          <p:nvPr>
+            <p:ph idx="1"/>
+          </p:nvPr>
+        </p:nvSpPr>
+        <p:spPr>
+          <a:xfrm>
+            <a:off x="1451579" y="1853754"/>
+            <a:ext cx="9603275" cy="4199727"/>
+          </a:xfrm>
+        </p:spPr>
+        <p:txBody>
+          <a:bodyPr>
+            <a:normAutofit lnSpcReduction="10000"/>
+          </a:bodyPr>
+          <a:lstStyle/>
+          <a:p>
+            <a:r>
+              <a:rPr lang="en-US" dirty="0"/>
+              <a:t>Container structure:</a:t>
+            </a:r>
+          </a:p>
+          <a:p>
+            <a:pPr lvl="1"/>
+            <a:r>
+              <a:rPr lang="en-US" dirty="0"/>
+              <a:t>Each product contains one product – many attributes for each. </a:t>
+            </a:r>
+          </a:p>
+          <a:p>
+            <a:pPr lvl="1"/>
+            <a:r>
+              <a:rPr lang="en-US" dirty="0"/>
+              <a:t>The inventory is a container of products – we need some internal container (</a:t>
+            </a:r>
+            <a:r>
+              <a:rPr lang="en-US" dirty="0" err="1"/>
+              <a:t>dict</a:t>
+            </a:r>
+            <a:r>
+              <a:rPr lang="en-US" dirty="0"/>
+              <a:t>, list, </a:t>
+            </a:r>
+            <a:r>
+              <a:rPr lang="en-US" dirty="0" err="1"/>
+              <a:t>etc</a:t>
+            </a:r>
+            <a:r>
+              <a:rPr lang="en-US" dirty="0"/>
+              <a:t>…) to hold many products, as well as the other functionality of the objects. </a:t>
+            </a:r>
+          </a:p>
+          <a:p>
+            <a:pPr lvl="1"/>
+            <a:r>
+              <a:rPr lang="en-US" dirty="0"/>
+              <a:t>I used a dictionary:</a:t>
+            </a:r>
+          </a:p>
+          <a:p>
+            <a:pPr lvl="2"/>
+            <a:r>
+              <a:rPr lang="en-US" dirty="0"/>
+              <a:t>Product name as key, product and stock level as tuple in the value. </a:t>
+            </a:r>
+          </a:p>
+          <a:p>
+            <a:pPr lvl="2"/>
+            <a:r>
+              <a:rPr lang="en-US" dirty="0"/>
+              <a:t>This isn’t “correct”, the values can be arranged differently. </a:t>
+            </a:r>
+          </a:p>
+          <a:p>
+            <a:pPr lvl="1"/>
+            <a:r>
+              <a:rPr lang="en-US" dirty="0"/>
+              <a:t>Need to track what each attribute “belongs to” – stock is not a product thing. </a:t>
+            </a:r>
+          </a:p>
+          <a:p>
+            <a:pPr lvl="2"/>
+            <a:r>
+              <a:rPr lang="en-US" dirty="0"/>
+              <a:t>Could be a “stocked-product” object to sit there. </a:t>
+            </a:r>
+          </a:p>
+          <a:p>
+            <a:pPr lvl="2"/>
+            <a:r>
+              <a:rPr lang="en-US" dirty="0"/>
+              <a:t>Similar to the refactoring in databases – including the “connecting” table/object. </a:t>
+            </a:r>
+          </a:p>
+          <a:p>
+            <a:r>
+              <a:rPr lang="en-US" dirty="0"/>
+              <a:t>Keeping this type of stuff straight is useful in loading datasets later on. </a:t>
+            </a:r>
+          </a:p>
+        </p:txBody>
+      </p:sp>
+    </p:spTree>
+    <p:extLst>
+      <p:ext uri="{BB962C8B-B14F-4D97-AF65-F5344CB8AC3E}">
+        <p14:creationId xmlns:p14="http://schemas.microsoft.com/office/powerpoint/2010/main" val="3289554301"/>
+      </p:ext>
+    </p:extLst>
+  </p:cSld>
+  <p:clrMapOvr>
+    <a:masterClrMapping/>
+  </p:clrMapOvr>
+</p:sld>
+</file>
+
+<file path=ppt/slides/slide5.xml><?xml version="1.0" encoding="utf-8"?>
+<p:sld xmlns:a="http://schemas.openxmlformats.org/drawingml/2006/main" xmlns:r="http://schemas.openxmlformats.org/officeDocument/2006/relationships" xmlns:p="http://schemas.openxmlformats.org/presentationml/2006/main">
+  <p:cSld>
+    <p:spTree>
+      <p:nvGrpSpPr>
+        <p:cNvPr id="1" name=""/>
+        <p:cNvGrpSpPr/>
+        <p:nvPr/>
+      </p:nvGrpSpPr>
+      <p:grpSpPr>
+        <a:xfrm>
+          <a:off x="0" y="0"/>
+          <a:ext cx="0" cy="0"/>
+          <a:chOff x="0" y="0"/>
+          <a:chExt cx="0" cy="0"/>
+        </a:xfrm>
+      </p:grpSpPr>
+      <p:sp>
+        <p:nvSpPr>
+          <p:cNvPr id="2" name="Title 1">
+            <a:extLst>
+              <a:ext uri="{FF2B5EF4-FFF2-40B4-BE49-F238E27FC236}">
+                <a16:creationId xmlns:a16="http://schemas.microsoft.com/office/drawing/2014/main" id="{A2F27E6B-65D0-6824-6AC4-5E8875C0C22B}"/>
+              </a:ext>
+            </a:extLst>
+          </p:cNvPr>
+          <p:cNvSpPr>
+            <a:spLocks noGrp="1"/>
+          </p:cNvSpPr>
+          <p:nvPr>
+            <p:ph type="title"/>
+          </p:nvPr>
+        </p:nvSpPr>
+        <p:spPr/>
+        <p:txBody>
+          <a:bodyPr/>
+          <a:lstStyle/>
+          <a:p>
+            <a:r>
+              <a:rPr lang="en-US" dirty="0" err="1"/>
+              <a:t>Asn</a:t>
+            </a:r>
+            <a:r>
+              <a:rPr lang="en-US" dirty="0"/>
+              <a:t> 1</a:t>
+            </a:r>
+          </a:p>
+        </p:txBody>
+      </p:sp>
+      <p:sp>
+        <p:nvSpPr>
+          <p:cNvPr id="3" name="Content Placeholder 2">
+            <a:extLst>
+              <a:ext uri="{FF2B5EF4-FFF2-40B4-BE49-F238E27FC236}">
+                <a16:creationId xmlns:a16="http://schemas.microsoft.com/office/drawing/2014/main" id="{3720CED2-DA9A-6FEE-48F2-2EA582410B4A}"/>
+              </a:ext>
+            </a:extLst>
+          </p:cNvPr>
+          <p:cNvSpPr>
+            <a:spLocks noGrp="1"/>
+          </p:cNvSpPr>
+          <p:nvPr>
+            <p:ph idx="1"/>
+          </p:nvPr>
+        </p:nvSpPr>
+        <p:spPr>
+          <a:xfrm>
+            <a:off x="1036949" y="1853754"/>
+            <a:ext cx="10017906" cy="4199727"/>
+          </a:xfrm>
+        </p:spPr>
+        <p:txBody>
+          <a:bodyPr/>
+          <a:lstStyle/>
+          <a:p>
+            <a:r>
+              <a:rPr lang="en-US" dirty="0"/>
+              <a:t>Testing and building the process. </a:t>
+            </a:r>
+          </a:p>
+          <a:p>
+            <a:pPr lvl="1"/>
+            <a:r>
+              <a:rPr lang="en-US" dirty="0"/>
+              <a:t>Can I read a line of data? </a:t>
+            </a:r>
+          </a:p>
+          <a:p>
+            <a:pPr lvl="1"/>
+            <a:r>
+              <a:rPr lang="en-US" dirty="0"/>
+              <a:t>Can I take that line of data and make an object from it? </a:t>
+            </a:r>
+          </a:p>
+          <a:p>
+            <a:pPr lvl="1"/>
+            <a:r>
+              <a:rPr lang="en-US" dirty="0"/>
+              <a:t>Can I add all the data from that line that I need to my object? </a:t>
+            </a:r>
+          </a:p>
+          <a:p>
+            <a:pPr lvl="1"/>
+            <a:r>
+              <a:rPr lang="en-US" dirty="0"/>
+              <a:t>Can I add methods/functionality one by one? </a:t>
+            </a:r>
+          </a:p>
+          <a:p>
+            <a:pPr lvl="1"/>
+            <a:r>
+              <a:rPr lang="en-US" dirty="0"/>
+              <a:t>Can I combine these product objects into a list or something, so they can be sorted or looped?</a:t>
+            </a:r>
+          </a:p>
+          <a:p>
+            <a:pPr lvl="1"/>
+            <a:r>
+              <a:rPr lang="en-US" dirty="0"/>
+              <a:t>Can I make an object that holds a bunch of these product objects? </a:t>
+            </a:r>
+          </a:p>
+          <a:p>
+            <a:pPr lvl="1"/>
+            <a:r>
+              <a:rPr lang="en-US" dirty="0"/>
+              <a:t>Does the functionality like compare work between products in our container? </a:t>
+            </a:r>
+          </a:p>
+          <a:p>
+            <a:pPr lvl="1"/>
+            <a:r>
+              <a:rPr lang="en-US" dirty="0"/>
+              <a:t>Can I add methods/functionality one by one to the container object? </a:t>
+            </a:r>
+          </a:p>
+          <a:p>
+            <a:pPr lvl="1"/>
+            <a:endParaRPr lang="en-US" dirty="0"/>
+          </a:p>
+        </p:txBody>
+      </p:sp>
+    </p:spTree>
+    <p:extLst>
+      <p:ext uri="{BB962C8B-B14F-4D97-AF65-F5344CB8AC3E}">
+        <p14:creationId xmlns:p14="http://schemas.microsoft.com/office/powerpoint/2010/main" val="4204150102"/>
+      </p:ext>
+    </p:extLst>
+  </p:cSld>
+  <p:clrMapOvr>
+    <a:masterClrMapping/>
+  </p:clrMapOvr>
+</p:sld>
+</file>
+
+<file path=ppt/slides/slide6.xml><?xml version="1.0" encoding="utf-8"?>
+<p:sld xmlns:a="http://schemas.openxmlformats.org/drawingml/2006/main" xmlns:r="http://schemas.openxmlformats.org/officeDocument/2006/relationships" xmlns:p="http://schemas.openxmlformats.org/presentationml/2006/main">
+  <p:cSld>
+    <p:spTree>
+      <p:nvGrpSpPr>
+        <p:cNvPr id="1" name=""/>
+        <p:cNvGrpSpPr/>
+        <p:nvPr/>
+      </p:nvGrpSpPr>
+      <p:grpSpPr>
+        <a:xfrm>
+          <a:off x="0" y="0"/>
+          <a:ext cx="0" cy="0"/>
+          <a:chOff x="0" y="0"/>
+          <a:chExt cx="0" cy="0"/>
+        </a:xfrm>
+      </p:grpSpPr>
+      <p:sp>
+        <p:nvSpPr>
+          <p:cNvPr id="2" name="Title 1">
+            <a:extLst>
+              <a:ext uri="{FF2B5EF4-FFF2-40B4-BE49-F238E27FC236}">
+                <a16:creationId xmlns:a16="http://schemas.microsoft.com/office/drawing/2014/main" id="{970E2DA5-E5C6-65F5-5090-597B48020558}"/>
+              </a:ext>
+            </a:extLst>
+          </p:cNvPr>
+          <p:cNvSpPr>
+            <a:spLocks noGrp="1"/>
+          </p:cNvSpPr>
+          <p:nvPr>
+            <p:ph type="title"/>
+          </p:nvPr>
+        </p:nvSpPr>
+        <p:spPr/>
+        <p:txBody>
+          <a:bodyPr/>
+          <a:lstStyle/>
+          <a:p>
+            <a:r>
+              <a:rPr lang="en-US" dirty="0"/>
+              <a:t>More Inheritance</a:t>
+            </a:r>
+          </a:p>
+        </p:txBody>
+      </p:sp>
+      <p:sp>
+        <p:nvSpPr>
+          <p:cNvPr id="3" name="Content Placeholder 2">
+            <a:extLst>
+              <a:ext uri="{FF2B5EF4-FFF2-40B4-BE49-F238E27FC236}">
+                <a16:creationId xmlns:a16="http://schemas.microsoft.com/office/drawing/2014/main" id="{0A40217A-E52C-1952-6A82-64DA77A9395B}"/>
+              </a:ext>
+            </a:extLst>
+          </p:cNvPr>
+          <p:cNvSpPr>
+            <a:spLocks noGrp="1"/>
+          </p:cNvSpPr>
+          <p:nvPr>
+            <p:ph idx="1"/>
+          </p:nvPr>
+        </p:nvSpPr>
+        <p:spPr/>
+        <p:txBody>
+          <a:bodyPr/>
+          <a:lstStyle/>
+          <a:p>
+            <a:endParaRPr lang="en-US" dirty="0"/>
+          </a:p>
+        </p:txBody>
+      </p:sp>
+      <p:pic>
+        <p:nvPicPr>
+          <p:cNvPr id="3074" name="Picture 2" descr="Chart: Inherited Wealth Concentrates Among the Ultra-Rich | Statista">
+            <a:extLst>
+              <a:ext uri="{FF2B5EF4-FFF2-40B4-BE49-F238E27FC236}">
+                <a16:creationId xmlns:a16="http://schemas.microsoft.com/office/drawing/2014/main" id="{1E71FEBE-E687-2A92-BE95-DC9814E38794}"/>
+              </a:ext>
+            </a:extLst>
+          </p:cNvPr>
+          <p:cNvPicPr>
+            <a:picLocks noChangeAspect="1" noChangeArrowheads="1"/>
+          </p:cNvPicPr>
+          <p:nvPr/>
+        </p:nvPicPr>
+        <p:blipFill rotWithShape="1">
+          <a:blip r:embed="rId2">
+            <a:extLst>
+              <a:ext uri="{28A0092B-C50C-407E-A947-70E740481C1C}">
+                <a14:useLocalDpi xmlns:a14="http://schemas.microsoft.com/office/drawing/2010/main" val="0"/>
+              </a:ext>
+            </a:extLst>
+          </a:blip>
+          <a:srcRect b="14613"/>
+          <a:stretch/>
+        </p:blipFill>
+        <p:spPr bwMode="auto">
+          <a:xfrm>
+            <a:off x="3124020" y="1782618"/>
+            <a:ext cx="5943960" cy="5075382"/>
+          </a:xfrm>
+          <a:prstGeom prst="rect">
+            <a:avLst/>
+          </a:prstGeom>
+          <a:noFill/>
+          <a:extLst>
+            <a:ext uri="{909E8E84-426E-40DD-AFC4-6F175D3DCCD1}">
+              <a14:hiddenFill xmlns:a14="http://schemas.microsoft.com/office/drawing/2010/main">
+                <a:solidFill>
+                  <a:srgbClr val="FFFFFF"/>
+                </a:solidFill>
+              </a14:hiddenFill>
+            </a:ext>
+          </a:extLst>
+        </p:spPr>
+      </p:pic>
+    </p:spTree>
+    <p:extLst>
+      <p:ext uri="{BB962C8B-B14F-4D97-AF65-F5344CB8AC3E}">
+        <p14:creationId xmlns:p14="http://schemas.microsoft.com/office/powerpoint/2010/main" val="1154871766"/>
+      </p:ext>
+    </p:extLst>
+  </p:cSld>
+  <p:clrMapOvr>
+    <a:masterClrMapping/>
+  </p:clrMapOvr>
+</p:sld>
+</file>
+
+<file path=ppt/slides/slide7.xml><?xml version="1.0" encoding="utf-8"?>
+<p:sld xmlns:a="http://schemas.openxmlformats.org/drawingml/2006/main" xmlns:r="http://schemas.openxmlformats.org/officeDocument/2006/relationships" xmlns:p="http://schemas.openxmlformats.org/presentationml/2006/main">
+  <p:cSld>
+    <p:spTree>
+      <p:nvGrpSpPr>
+        <p:cNvPr id="1" name=""/>
+        <p:cNvGrpSpPr/>
+        <p:nvPr/>
+      </p:nvGrpSpPr>
+      <p:grpSpPr>
+        <a:xfrm>
+          <a:off x="0" y="0"/>
+          <a:ext cx="0" cy="0"/>
+          <a:chOff x="0" y="0"/>
+          <a:chExt cx="0" cy="0"/>
+        </a:xfrm>
+      </p:grpSpPr>
+      <p:sp>
+        <p:nvSpPr>
+          <p:cNvPr id="2" name="Title 1">
+            <a:extLst>
+              <a:ext uri="{FF2B5EF4-FFF2-40B4-BE49-F238E27FC236}">
                 <a16:creationId xmlns:a16="http://schemas.microsoft.com/office/drawing/2014/main" id="{EFF139EE-5DCD-CAE8-E5DE-000001C82D82}"/>
               </a:ext>
             </a:extLst>
@@ -4679,7 +5981,7 @@
           <a:p>
             <a:r>
               <a:rPr lang="en-US" dirty="0"/>
-              <a:t>Types</a:t>
+              <a:t>Variable Types</a:t>
             </a:r>
           </a:p>
         </p:txBody>
@@ -4794,7 +6096,7 @@
 </p:sld>
 </file>
 
-<file path=ppt/slides/slide4.xml><?xml version="1.0" encoding="utf-8"?>
+<file path=ppt/slides/slide8.xml><?xml version="1.0" encoding="utf-8"?>
 <p:sld xmlns:a="http://schemas.openxmlformats.org/drawingml/2006/main" xmlns:r="http://schemas.openxmlformats.org/officeDocument/2006/relationships" xmlns:p="http://schemas.openxmlformats.org/presentationml/2006/main">
   <p:cSld>
     <p:spTree>
@@ -4997,671 +6299,6 @@
 </p:sld>
 </file>
 
-<file path=ppt/slides/slide5.xml><?xml version="1.0" encoding="utf-8"?>
-<p:sld xmlns:a="http://schemas.openxmlformats.org/drawingml/2006/main" xmlns:r="http://schemas.openxmlformats.org/officeDocument/2006/relationships" xmlns:p="http://schemas.openxmlformats.org/presentationml/2006/main">
-  <p:cSld>
-    <p:spTree>
-      <p:nvGrpSpPr>
-        <p:cNvPr id="1" name=""/>
-        <p:cNvGrpSpPr/>
-        <p:nvPr/>
-      </p:nvGrpSpPr>
-      <p:grpSpPr>
-        <a:xfrm>
-          <a:off x="0" y="0"/>
-          <a:ext cx="0" cy="0"/>
-          <a:chOff x="0" y="0"/>
-          <a:chExt cx="0" cy="0"/>
-        </a:xfrm>
-      </p:grpSpPr>
-      <p:sp>
-        <p:nvSpPr>
-          <p:cNvPr id="2" name="Title 1">
-            <a:extLst>
-              <a:ext uri="{FF2B5EF4-FFF2-40B4-BE49-F238E27FC236}">
-                <a16:creationId xmlns:a16="http://schemas.microsoft.com/office/drawing/2014/main" id="{D7858A49-8376-3714-4C4D-C5B3CF88CFE9}"/>
-              </a:ext>
-            </a:extLst>
-          </p:cNvPr>
-          <p:cNvSpPr>
-            <a:spLocks noGrp="1"/>
-          </p:cNvSpPr>
-          <p:nvPr>
-            <p:ph type="title"/>
-          </p:nvPr>
-        </p:nvSpPr>
-        <p:spPr/>
-        <p:txBody>
-          <a:bodyPr/>
-          <a:lstStyle/>
-          <a:p>
-            <a:r>
-              <a:rPr lang="en-US" dirty="0"/>
-              <a:t>Abstract Base Classes (ABC)</a:t>
-            </a:r>
-          </a:p>
-        </p:txBody>
-      </p:sp>
-      <p:sp>
-        <p:nvSpPr>
-          <p:cNvPr id="3" name="Content Placeholder 2">
-            <a:extLst>
-              <a:ext uri="{FF2B5EF4-FFF2-40B4-BE49-F238E27FC236}">
-                <a16:creationId xmlns:a16="http://schemas.microsoft.com/office/drawing/2014/main" id="{C7B0F21D-ACF1-DF8C-A458-63FC228565F9}"/>
-              </a:ext>
-            </a:extLst>
-          </p:cNvPr>
-          <p:cNvSpPr>
-            <a:spLocks noGrp="1"/>
-          </p:cNvSpPr>
-          <p:nvPr>
-            <p:ph idx="1"/>
-          </p:nvPr>
-        </p:nvSpPr>
-        <p:spPr>
-          <a:xfrm>
-            <a:off x="1451579" y="1938130"/>
-            <a:ext cx="9603275" cy="4115351"/>
-          </a:xfrm>
-        </p:spPr>
-        <p:txBody>
-          <a:bodyPr/>
-          <a:lstStyle/>
-          <a:p>
-            <a:r>
-              <a:rPr lang="en-US" dirty="0"/>
-              <a:t>Abstract base classes are a tool to help make inheriting functionality easier. </a:t>
-            </a:r>
-          </a:p>
-          <a:p>
-            <a:r>
-              <a:rPr lang="en-US" dirty="0"/>
-              <a:t>ABCs are classes that define some functionality, but can’t exist as their own thing. </a:t>
-            </a:r>
-          </a:p>
-          <a:p>
-            <a:pPr lvl="1"/>
-            <a:r>
-              <a:rPr lang="en-US" dirty="0"/>
-              <a:t>I.e. we can’t instantiate a new object of an ABC class, it must be extended. </a:t>
-            </a:r>
-          </a:p>
-          <a:p>
-            <a:r>
-              <a:rPr lang="en-US" dirty="0"/>
-              <a:t>ABCs compliment Duck Typing:</a:t>
-            </a:r>
-          </a:p>
-          <a:p>
-            <a:pPr lvl="1"/>
-            <a:r>
-              <a:rPr lang="en-US" dirty="0"/>
-              <a:t>We can “implement an interface” of an ABC to make it “act as one” of what we inherit. </a:t>
-            </a:r>
-          </a:p>
-          <a:p>
-            <a:pPr lvl="1"/>
-            <a:r>
-              <a:rPr lang="en-US" dirty="0"/>
-              <a:t>When asking things like </a:t>
-            </a:r>
-            <a:r>
-              <a:rPr lang="en-US" dirty="0" err="1"/>
-              <a:t>isinstance</a:t>
-            </a:r>
-            <a:r>
-              <a:rPr lang="en-US" dirty="0"/>
-              <a:t>(), this will make them provide the right answer. </a:t>
-            </a:r>
-          </a:p>
-          <a:p>
-            <a:pPr lvl="1"/>
-            <a:r>
-              <a:rPr lang="en-US" dirty="0"/>
-              <a:t>“As long as we provide this stuff, then our object can function as this object”. </a:t>
-            </a:r>
-          </a:p>
-          <a:p>
-            <a:r>
-              <a:rPr lang="en-US" dirty="0"/>
-              <a:t>As long as we implement whatever is “needed” then our object will act as the ABC. </a:t>
-            </a:r>
-          </a:p>
-        </p:txBody>
-      </p:sp>
-    </p:spTree>
-    <p:extLst>
-      <p:ext uri="{BB962C8B-B14F-4D97-AF65-F5344CB8AC3E}">
-        <p14:creationId xmlns:p14="http://schemas.microsoft.com/office/powerpoint/2010/main" val="1832535387"/>
-      </p:ext>
-    </p:extLst>
-  </p:cSld>
-  <p:clrMapOvr>
-    <a:masterClrMapping/>
-  </p:clrMapOvr>
-</p:sld>
-</file>
-
-<file path=ppt/slides/slide6.xml><?xml version="1.0" encoding="utf-8"?>
-<p:sld xmlns:a="http://schemas.openxmlformats.org/drawingml/2006/main" xmlns:r="http://schemas.openxmlformats.org/officeDocument/2006/relationships" xmlns:p="http://schemas.openxmlformats.org/presentationml/2006/main">
-  <p:cSld>
-    <p:spTree>
-      <p:nvGrpSpPr>
-        <p:cNvPr id="1" name=""/>
-        <p:cNvGrpSpPr/>
-        <p:nvPr/>
-      </p:nvGrpSpPr>
-      <p:grpSpPr>
-        <a:xfrm>
-          <a:off x="0" y="0"/>
-          <a:ext cx="0" cy="0"/>
-          <a:chOff x="0" y="0"/>
-          <a:chExt cx="0" cy="0"/>
-        </a:xfrm>
-      </p:grpSpPr>
-      <p:sp>
-        <p:nvSpPr>
-          <p:cNvPr id="2" name="Title 1">
-            <a:extLst>
-              <a:ext uri="{FF2B5EF4-FFF2-40B4-BE49-F238E27FC236}">
-                <a16:creationId xmlns:a16="http://schemas.microsoft.com/office/drawing/2014/main" id="{BC9A5AF5-BC54-C786-8D07-79CBF79C6F00}"/>
-              </a:ext>
-            </a:extLst>
-          </p:cNvPr>
-          <p:cNvSpPr>
-            <a:spLocks noGrp="1"/>
-          </p:cNvSpPr>
-          <p:nvPr>
-            <p:ph type="title"/>
-          </p:nvPr>
-        </p:nvSpPr>
-        <p:spPr/>
-        <p:txBody>
-          <a:bodyPr/>
-          <a:lstStyle/>
-          <a:p>
-            <a:r>
-              <a:rPr lang="en-US" dirty="0"/>
-              <a:t>ABC Implementation</a:t>
-            </a:r>
-          </a:p>
-        </p:txBody>
-      </p:sp>
-      <p:sp>
-        <p:nvSpPr>
-          <p:cNvPr id="3" name="Content Placeholder 2">
-            <a:extLst>
-              <a:ext uri="{FF2B5EF4-FFF2-40B4-BE49-F238E27FC236}">
-                <a16:creationId xmlns:a16="http://schemas.microsoft.com/office/drawing/2014/main" id="{500089E7-61D9-1075-2DAB-B1AEEB790648}"/>
-              </a:ext>
-            </a:extLst>
-          </p:cNvPr>
-          <p:cNvSpPr>
-            <a:spLocks noGrp="1"/>
-          </p:cNvSpPr>
-          <p:nvPr>
-            <p:ph idx="1"/>
-          </p:nvPr>
-        </p:nvSpPr>
-        <p:spPr>
-          <a:xfrm>
-            <a:off x="1451579" y="1853754"/>
-            <a:ext cx="9603275" cy="4199727"/>
-          </a:xfrm>
-        </p:spPr>
-        <p:txBody>
-          <a:bodyPr/>
-          <a:lstStyle/>
-          <a:p>
-            <a:r>
-              <a:rPr lang="en-US" dirty="0"/>
-              <a:t>Any object that provides __</a:t>
-            </a:r>
-            <a:r>
-              <a:rPr lang="en-US" dirty="0" err="1"/>
-              <a:t>iter</a:t>
-            </a:r>
-            <a:r>
-              <a:rPr lang="en-US" dirty="0"/>
-              <a:t>__ and __next__ is an </a:t>
-            </a:r>
-            <a:r>
-              <a:rPr lang="en-US" dirty="0" err="1"/>
-              <a:t>iterable</a:t>
-            </a:r>
-            <a:r>
-              <a:rPr lang="en-US" dirty="0"/>
-              <a:t>. </a:t>
-            </a:r>
-          </a:p>
-          <a:p>
-            <a:pPr lvl="1"/>
-            <a:r>
-              <a:rPr lang="en-US" dirty="0"/>
-              <a:t>Officially, “An object capable of returning its members one at a time.”</a:t>
-            </a:r>
-          </a:p>
-          <a:p>
-            <a:r>
-              <a:rPr lang="en-US" dirty="0"/>
-              <a:t>So, an </a:t>
-            </a:r>
-            <a:r>
-              <a:rPr lang="en-US" dirty="0" err="1"/>
-              <a:t>iterable</a:t>
-            </a:r>
-            <a:r>
-              <a:rPr lang="en-US" dirty="0"/>
-              <a:t> isn’t a specific thing, it is a set of requirements that a thing meets. </a:t>
-            </a:r>
-          </a:p>
-          <a:p>
-            <a:pPr lvl="1"/>
-            <a:r>
-              <a:rPr lang="en-US" dirty="0"/>
-              <a:t>Anything that complies with the requirements is effectively an </a:t>
-            </a:r>
-            <a:r>
-              <a:rPr lang="en-US" dirty="0" err="1"/>
-              <a:t>iterable</a:t>
-            </a:r>
-            <a:r>
-              <a:rPr lang="en-US" dirty="0"/>
-              <a:t>. </a:t>
-            </a:r>
-          </a:p>
-          <a:p>
-            <a:pPr lvl="1"/>
-            <a:r>
-              <a:rPr lang="en-US" dirty="0"/>
-              <a:t>Objects can meet the requirements of multiple types of functionality at one time. </a:t>
-            </a:r>
-          </a:p>
-          <a:p>
-            <a:r>
-              <a:rPr lang="en-US" dirty="0"/>
-              <a:t>The ABCs are basically certificates to signify that an object is qualified to be something. </a:t>
-            </a:r>
-          </a:p>
-          <a:p>
-            <a:pPr lvl="1"/>
-            <a:r>
-              <a:rPr lang="en-US" dirty="0"/>
-              <a:t>E.g. my dad’s a welder, he tests to signify that he is a “pressure welder”, “titanium welder”, “contained space welder”, “</a:t>
-            </a:r>
-            <a:r>
-              <a:rPr lang="en-US" dirty="0" err="1"/>
-              <a:t>alumminum</a:t>
-            </a:r>
-            <a:r>
-              <a:rPr lang="en-US" dirty="0"/>
-              <a:t> welder”, “b pressure welder”, </a:t>
-            </a:r>
-            <a:r>
-              <a:rPr lang="en-US" dirty="0" err="1"/>
-              <a:t>etc</a:t>
-            </a:r>
-            <a:r>
-              <a:rPr lang="en-US" dirty="0"/>
-              <a:t>…</a:t>
-            </a:r>
-          </a:p>
-          <a:p>
-            <a:pPr lvl="1"/>
-            <a:r>
-              <a:rPr lang="en-US" dirty="0"/>
-              <a:t>He’s not different, but he’s now “usable” in any of those roles as he meets the requirements. </a:t>
-            </a:r>
-          </a:p>
-        </p:txBody>
-      </p:sp>
-    </p:spTree>
-    <p:extLst>
-      <p:ext uri="{BB962C8B-B14F-4D97-AF65-F5344CB8AC3E}">
-        <p14:creationId xmlns:p14="http://schemas.microsoft.com/office/powerpoint/2010/main" val="1633350690"/>
-      </p:ext>
-    </p:extLst>
-  </p:cSld>
-  <p:clrMapOvr>
-    <a:masterClrMapping/>
-  </p:clrMapOvr>
-</p:sld>
-</file>
-
-<file path=ppt/slides/slide7.xml><?xml version="1.0" encoding="utf-8"?>
-<p:sld xmlns:a="http://schemas.openxmlformats.org/drawingml/2006/main" xmlns:r="http://schemas.openxmlformats.org/officeDocument/2006/relationships" xmlns:p="http://schemas.openxmlformats.org/presentationml/2006/main">
-  <p:cSld>
-    <p:spTree>
-      <p:nvGrpSpPr>
-        <p:cNvPr id="1" name=""/>
-        <p:cNvGrpSpPr/>
-        <p:nvPr/>
-      </p:nvGrpSpPr>
-      <p:grpSpPr>
-        <a:xfrm>
-          <a:off x="0" y="0"/>
-          <a:ext cx="0" cy="0"/>
-          <a:chOff x="0" y="0"/>
-          <a:chExt cx="0" cy="0"/>
-        </a:xfrm>
-      </p:grpSpPr>
-      <p:sp>
-        <p:nvSpPr>
-          <p:cNvPr id="2" name="Title 1">
-            <a:extLst>
-              <a:ext uri="{FF2B5EF4-FFF2-40B4-BE49-F238E27FC236}">
-                <a16:creationId xmlns:a16="http://schemas.microsoft.com/office/drawing/2014/main" id="{9C1B9678-C841-1B99-F5A0-FDA66F6C4446}"/>
-              </a:ext>
-            </a:extLst>
-          </p:cNvPr>
-          <p:cNvSpPr>
-            <a:spLocks noGrp="1"/>
-          </p:cNvSpPr>
-          <p:nvPr>
-            <p:ph type="title"/>
-          </p:nvPr>
-        </p:nvSpPr>
-        <p:spPr/>
-        <p:txBody>
-          <a:bodyPr/>
-          <a:lstStyle/>
-          <a:p>
-            <a:r>
-              <a:rPr lang="en-US" dirty="0"/>
-              <a:t>Collection Class ABC</a:t>
-            </a:r>
-          </a:p>
-        </p:txBody>
-      </p:sp>
-      <p:sp>
-        <p:nvSpPr>
-          <p:cNvPr id="3" name="Content Placeholder 2">
-            <a:extLst>
-              <a:ext uri="{FF2B5EF4-FFF2-40B4-BE49-F238E27FC236}">
-                <a16:creationId xmlns:a16="http://schemas.microsoft.com/office/drawing/2014/main" id="{0A7F7547-B5AD-80DB-27E0-99B8BB172468}"/>
-              </a:ext>
-            </a:extLst>
-          </p:cNvPr>
-          <p:cNvSpPr>
-            <a:spLocks noGrp="1"/>
-          </p:cNvSpPr>
-          <p:nvPr>
-            <p:ph idx="1"/>
-          </p:nvPr>
-        </p:nvSpPr>
-        <p:spPr>
-          <a:xfrm>
-            <a:off x="1302026" y="1853754"/>
-            <a:ext cx="10058399" cy="4199727"/>
-          </a:xfrm>
-        </p:spPr>
-        <p:txBody>
-          <a:bodyPr/>
-          <a:lstStyle/>
-          <a:p>
-            <a:r>
-              <a:rPr lang="en-US" dirty="0"/>
-              <a:t>Many ABCs exist in the collections, which are how data structures are implemented. </a:t>
-            </a:r>
-          </a:p>
-          <a:p>
-            <a:pPr lvl="1"/>
-            <a:r>
-              <a:rPr lang="en-US" dirty="0"/>
-              <a:t>There are ones for Sequences (lists), Mappings (</a:t>
-            </a:r>
-            <a:r>
-              <a:rPr lang="en-US" dirty="0" err="1"/>
-              <a:t>dicts</a:t>
-            </a:r>
-            <a:r>
-              <a:rPr lang="en-US" dirty="0"/>
-              <a:t>), </a:t>
-            </a:r>
-            <a:r>
-              <a:rPr lang="en-US" dirty="0" err="1"/>
-              <a:t>etc</a:t>
-            </a:r>
-            <a:r>
-              <a:rPr lang="en-US" dirty="0"/>
-              <a:t>…</a:t>
-            </a:r>
-          </a:p>
-          <a:p>
-            <a:r>
-              <a:rPr lang="en-US" dirty="0"/>
-              <a:t>We can extend from some ABC base to make a new data structure. </a:t>
-            </a:r>
-          </a:p>
-          <a:p>
-            <a:pPr lvl="1"/>
-            <a:r>
-              <a:rPr lang="en-US" dirty="0"/>
-              <a:t>In that data structure there are some things we must implement for it to work. </a:t>
-            </a:r>
-          </a:p>
-          <a:p>
-            <a:pPr lvl="1"/>
-            <a:r>
-              <a:rPr lang="en-US" dirty="0"/>
-              <a:t>There are other things we get for free from the inheritance. </a:t>
-            </a:r>
-          </a:p>
-          <a:p>
-            <a:pPr lvl="1"/>
-            <a:r>
-              <a:rPr lang="en-US" dirty="0"/>
-              <a:t>This data structure will be usable wherever the other structures are. </a:t>
-            </a:r>
-          </a:p>
-          <a:p>
-            <a:r>
-              <a:rPr lang="en-US" dirty="0"/>
-              <a:t>If making a new data structure, this is normally better than extending the built-in types. </a:t>
-            </a:r>
-          </a:p>
-          <a:p>
-            <a:pPr lvl="1"/>
-            <a:r>
-              <a:rPr lang="en-US" dirty="0"/>
-              <a:t>There are things done to the built-in one for performance that make them “weird” in some cases. </a:t>
-            </a:r>
-          </a:p>
-          <a:p>
-            <a:r>
-              <a:rPr lang="en-US" dirty="0"/>
-              <a:t>We can build our object on top of one of these, and use most of the premade functionality. </a:t>
-            </a:r>
-          </a:p>
-        </p:txBody>
-      </p:sp>
-    </p:spTree>
-    <p:extLst>
-      <p:ext uri="{BB962C8B-B14F-4D97-AF65-F5344CB8AC3E}">
-        <p14:creationId xmlns:p14="http://schemas.microsoft.com/office/powerpoint/2010/main" val="934258392"/>
-      </p:ext>
-    </p:extLst>
-  </p:cSld>
-  <p:clrMapOvr>
-    <a:masterClrMapping/>
-  </p:clrMapOvr>
-</p:sld>
-</file>
-
-<file path=ppt/slides/slide8.xml><?xml version="1.0" encoding="utf-8"?>
-<p:sld xmlns:a="http://schemas.openxmlformats.org/drawingml/2006/main" xmlns:r="http://schemas.openxmlformats.org/officeDocument/2006/relationships" xmlns:p="http://schemas.openxmlformats.org/presentationml/2006/main">
-  <p:cSld>
-    <p:spTree>
-      <p:nvGrpSpPr>
-        <p:cNvPr id="1" name=""/>
-        <p:cNvGrpSpPr/>
-        <p:nvPr/>
-      </p:nvGrpSpPr>
-      <p:grpSpPr>
-        <a:xfrm>
-          <a:off x="0" y="0"/>
-          <a:ext cx="0" cy="0"/>
-          <a:chOff x="0" y="0"/>
-          <a:chExt cx="0" cy="0"/>
-        </a:xfrm>
-      </p:grpSpPr>
-      <p:sp>
-        <p:nvSpPr>
-          <p:cNvPr id="2" name="Title 1">
-            <a:extLst>
-              <a:ext uri="{FF2B5EF4-FFF2-40B4-BE49-F238E27FC236}">
-                <a16:creationId xmlns:a16="http://schemas.microsoft.com/office/drawing/2014/main" id="{4ED708B7-A852-FFDF-32F6-D310005D4769}"/>
-              </a:ext>
-            </a:extLst>
-          </p:cNvPr>
-          <p:cNvSpPr>
-            <a:spLocks noGrp="1"/>
-          </p:cNvSpPr>
-          <p:nvPr>
-            <p:ph type="title"/>
-          </p:nvPr>
-        </p:nvSpPr>
-        <p:spPr/>
-        <p:txBody>
-          <a:bodyPr/>
-          <a:lstStyle/>
-          <a:p>
-            <a:r>
-              <a:rPr lang="en-US" dirty="0"/>
-              <a:t>Implementing ABCs</a:t>
-            </a:r>
-          </a:p>
-        </p:txBody>
-      </p:sp>
-      <p:sp>
-        <p:nvSpPr>
-          <p:cNvPr id="3" name="Content Placeholder 2">
-            <a:extLst>
-              <a:ext uri="{FF2B5EF4-FFF2-40B4-BE49-F238E27FC236}">
-                <a16:creationId xmlns:a16="http://schemas.microsoft.com/office/drawing/2014/main" id="{D1E8CBBF-DE38-443C-0394-D9340508A985}"/>
-              </a:ext>
-            </a:extLst>
-          </p:cNvPr>
-          <p:cNvSpPr>
-            <a:spLocks noGrp="1"/>
-          </p:cNvSpPr>
-          <p:nvPr>
-            <p:ph idx="1"/>
-          </p:nvPr>
-        </p:nvSpPr>
-        <p:spPr>
-          <a:xfrm>
-            <a:off x="139148" y="2015732"/>
-            <a:ext cx="5811996" cy="4037749"/>
-          </a:xfrm>
-        </p:spPr>
-        <p:txBody>
-          <a:bodyPr/>
-          <a:lstStyle/>
-          <a:p>
-            <a:r>
-              <a:rPr lang="en-US" dirty="0"/>
-              <a:t>To use an ABC we need to implement all the abstract methods listed. </a:t>
-            </a:r>
-          </a:p>
-          <a:p>
-            <a:pPr lvl="1"/>
-            <a:r>
-              <a:rPr lang="en-US" dirty="0"/>
-              <a:t>These are ones that are empty in the parent. </a:t>
-            </a:r>
-          </a:p>
-          <a:p>
-            <a:pPr lvl="1"/>
-            <a:r>
-              <a:rPr lang="en-US" dirty="0"/>
-              <a:t>If we think about it, this is the stuff that is unique that we need to make it work. </a:t>
-            </a:r>
-          </a:p>
-          <a:p>
-            <a:r>
-              <a:rPr lang="en-US" dirty="0"/>
-              <a:t>The </a:t>
-            </a:r>
-            <a:r>
-              <a:rPr lang="en-US" dirty="0" err="1"/>
-              <a:t>mixin</a:t>
-            </a:r>
-            <a:r>
-              <a:rPr lang="en-US" dirty="0"/>
-              <a:t> column is what we “get” for free. </a:t>
-            </a:r>
-          </a:p>
-          <a:p>
-            <a:pPr lvl="1"/>
-            <a:r>
-              <a:rPr lang="en-US" dirty="0" err="1"/>
-              <a:t>Mixins</a:t>
-            </a:r>
-            <a:r>
-              <a:rPr lang="en-US" dirty="0"/>
-              <a:t> are something we can ignore the details of. </a:t>
-            </a:r>
-          </a:p>
-          <a:p>
-            <a:pPr lvl="1"/>
-            <a:r>
-              <a:rPr lang="en-US" dirty="0"/>
-              <a:t>We are effectively also inheriting default implementations of all this stuff. </a:t>
-            </a:r>
-          </a:p>
-          <a:p>
-            <a:pPr lvl="1"/>
-            <a:r>
-              <a:rPr lang="en-US" dirty="0"/>
-              <a:t>We can use it or override them as needed. </a:t>
-            </a:r>
-          </a:p>
-        </p:txBody>
-      </p:sp>
-      <p:pic>
-        <p:nvPicPr>
-          <p:cNvPr id="4" name="Picture 3">
-            <a:extLst>
-              <a:ext uri="{FF2B5EF4-FFF2-40B4-BE49-F238E27FC236}">
-                <a16:creationId xmlns:a16="http://schemas.microsoft.com/office/drawing/2014/main" id="{65006BFA-57CD-1F24-1590-764F08FB75E1}"/>
-              </a:ext>
-            </a:extLst>
-          </p:cNvPr>
-          <p:cNvPicPr>
-            <a:picLocks noChangeAspect="1"/>
-          </p:cNvPicPr>
-          <p:nvPr/>
-        </p:nvPicPr>
-        <p:blipFill>
-          <a:blip r:embed="rId2"/>
-          <a:stretch>
-            <a:fillRect/>
-          </a:stretch>
-        </p:blipFill>
-        <p:spPr>
-          <a:xfrm>
-            <a:off x="5951143" y="0"/>
-            <a:ext cx="6240857" cy="6858000"/>
-          </a:xfrm>
-          <a:prstGeom prst="rect">
-            <a:avLst/>
-          </a:prstGeom>
-        </p:spPr>
-      </p:pic>
-    </p:spTree>
-    <p:extLst>
-      <p:ext uri="{BB962C8B-B14F-4D97-AF65-F5344CB8AC3E}">
-        <p14:creationId xmlns:p14="http://schemas.microsoft.com/office/powerpoint/2010/main" val="2869243400"/>
-      </p:ext>
-    </p:extLst>
-  </p:cSld>
-  <p:clrMapOvr>
-    <a:masterClrMapping/>
-  </p:clrMapOvr>
-</p:sld>
-</file>
-
 <file path=ppt/slides/slide9.xml><?xml version="1.0" encoding="utf-8"?>
 <p:sld xmlns:a="http://schemas.openxmlformats.org/drawingml/2006/main" xmlns:r="http://schemas.openxmlformats.org/officeDocument/2006/relationships" xmlns:p="http://schemas.openxmlformats.org/presentationml/2006/main">
   <p:cSld>
@@ -5684,7 +6321,7 @@
           <p:cNvPr id="2" name="Title 1">
             <a:extLst>
               <a:ext uri="{FF2B5EF4-FFF2-40B4-BE49-F238E27FC236}">
-                <a16:creationId xmlns:a16="http://schemas.microsoft.com/office/drawing/2014/main" id="{D5526080-0F90-6B3B-6B88-72A3404EC993}"/>
+                <a16:creationId xmlns:a16="http://schemas.microsoft.com/office/drawing/2014/main" id="{D7858A49-8376-3714-4C4D-C5B3CF88CFE9}"/>
               </a:ext>
             </a:extLst>
           </p:cNvPr>
@@ -5702,7 +6339,7 @@
           <a:p>
             <a:r>
               <a:rPr lang="en-US" dirty="0"/>
-              <a:t>Decorators</a:t>
+              <a:t>Abstract Base Classes (ABC)</a:t>
             </a:r>
           </a:p>
         </p:txBody>
@@ -5712,7 +6349,7 @@
           <p:cNvPr id="3" name="Content Placeholder 2">
             <a:extLst>
               <a:ext uri="{FF2B5EF4-FFF2-40B4-BE49-F238E27FC236}">
-                <a16:creationId xmlns:a16="http://schemas.microsoft.com/office/drawing/2014/main" id="{859E8646-D6BB-4FE2-A573-C299ACE7A8A6}"/>
+                <a16:creationId xmlns:a16="http://schemas.microsoft.com/office/drawing/2014/main" id="{C7B0F21D-ACF1-DF8C-A458-63FC228565F9}"/>
               </a:ext>
             </a:extLst>
           </p:cNvPr>
@@ -5725,8 +6362,8 @@
         </p:nvSpPr>
         <p:spPr>
           <a:xfrm>
-            <a:off x="1451579" y="1853754"/>
-            <a:ext cx="9603275" cy="4199727"/>
+            <a:off x="1451579" y="1938130"/>
+            <a:ext cx="9603275" cy="4115351"/>
           </a:xfrm>
         </p:spPr>
         <p:txBody>
@@ -5734,72 +6371,70 @@
           <a:lstStyle/>
           <a:p>
             <a:r>
+              <a:rPr lang="en-US" dirty="0"/>
+              <a:t>Abstract base classes are a tool to help make inheriting functionality easier. </a:t>
+            </a:r>
+          </a:p>
+          <a:p>
+            <a:r>
+              <a:rPr lang="en-US" dirty="0"/>
+              <a:t>ABCs are classes that define some functionality, but can’t exist as their own thing. </a:t>
+            </a:r>
+          </a:p>
+          <a:p>
+            <a:pPr lvl="1"/>
+            <a:r>
+              <a:rPr lang="en-US" dirty="0"/>
+              <a:t>I.e. we can’t instantiate a new object of an ABC class, it must be extended. </a:t>
+            </a:r>
+          </a:p>
+          <a:p>
+            <a:r>
+              <a:rPr lang="en-US" dirty="0"/>
+              <a:t>ABCs compliment Duck Typing:</a:t>
+            </a:r>
+          </a:p>
+          <a:p>
+            <a:pPr lvl="1"/>
+            <a:r>
+              <a:rPr lang="en-US" dirty="0"/>
+              <a:t>We can “implement an interface” of an ABC to make it “act as one” of what we inherit. </a:t>
+            </a:r>
+          </a:p>
+          <a:p>
+            <a:pPr lvl="1"/>
+            <a:r>
+              <a:rPr lang="en-US" dirty="0"/>
+              <a:t>When asking things like </a:t>
+            </a:r>
+            <a:r>
               <a:rPr lang="en-US" dirty="0" err="1"/>
-              <a:t>Absctract</a:t>
-            </a:r>
-            <a:r>
-              <a:rPr lang="en-US" dirty="0"/>
-              <a:t> methods use Decorators, a label that adds functionality to items. </a:t>
-            </a:r>
-          </a:p>
-          <a:p>
-            <a:pPr lvl="1"/>
-            <a:r>
-              <a:rPr lang="en-US" dirty="0"/>
-              <a:t>The static method labels that we’ve used before are a decorator. </a:t>
-            </a:r>
-          </a:p>
-          <a:p>
-            <a:pPr lvl="1"/>
-            <a:r>
-              <a:rPr lang="en-US" dirty="0"/>
-              <a:t>The decorator is like a configuration switch, that tells Python to do something different. </a:t>
-            </a:r>
-          </a:p>
-          <a:p>
-            <a:r>
-              <a:rPr lang="en-US" dirty="0"/>
-              <a:t>In parent classes, abstract methods have a @</a:t>
-            </a:r>
-            <a:r>
-              <a:rPr lang="en-US" dirty="0" err="1"/>
-              <a:t>abstractmethod</a:t>
-            </a:r>
-            <a:r>
-              <a:rPr lang="en-US" dirty="0"/>
-              <a:t> decorator. </a:t>
-            </a:r>
-          </a:p>
-          <a:p>
-            <a:pPr lvl="1"/>
-            <a:r>
-              <a:rPr lang="en-US" dirty="0"/>
-              <a:t>This indicates that this MUST be implemented to allow a class to be instantiated. </a:t>
-            </a:r>
-          </a:p>
-          <a:p>
-            <a:r>
-              <a:rPr lang="en-US" dirty="0"/>
-              <a:t>In general, decorators are fairly commonly seen in more complex code. </a:t>
-            </a:r>
-          </a:p>
-          <a:p>
-            <a:pPr lvl="1"/>
-            <a:r>
-              <a:rPr lang="en-US" dirty="0"/>
-              <a:t>If we’re comfortable with what the limited subset that we see do, that’s fine. </a:t>
-            </a:r>
-          </a:p>
-          <a:p>
-            <a:pPr lvl="1"/>
-            <a:endParaRPr lang="en-US" dirty="0"/>
+              <a:t>isinstance</a:t>
+            </a:r>
+            <a:r>
+              <a:rPr lang="en-US" dirty="0"/>
+              <a:t>(), this will make them provide the right answer. </a:t>
+            </a:r>
+          </a:p>
+          <a:p>
+            <a:pPr lvl="1"/>
+            <a:r>
+              <a:rPr lang="en-US" dirty="0"/>
+              <a:t>“As long as we provide this stuff, then our object can function as this object”. </a:t>
+            </a:r>
+          </a:p>
+          <a:p>
+            <a:r>
+              <a:rPr lang="en-US" dirty="0"/>
+              <a:t>As long as we implement whatever is “needed” then our object will act as the ABC. </a:t>
+            </a:r>
           </a:p>
         </p:txBody>
       </p:sp>
     </p:spTree>
     <p:extLst>
       <p:ext uri="{BB962C8B-B14F-4D97-AF65-F5344CB8AC3E}">
-        <p14:creationId xmlns:p14="http://schemas.microsoft.com/office/powerpoint/2010/main" val="1726607488"/>
+        <p14:creationId xmlns:p14="http://schemas.microsoft.com/office/powerpoint/2010/main" val="1832535387"/>
       </p:ext>
     </p:extLst>
   </p:cSld>
